--- a/docs/00_Tools/07_07_DE_Persona_Creation_Workshop.pptx
+++ b/docs/00_Tools/07_07_DE_Persona_Creation_Workshop.pptx
@@ -272,7 +272,7 @@
           <a:p>
             <a:fld id="{8799DF5F-51D2-48B6-91C6-67FF185995F7}" type="datetimeFigureOut">
               <a:rPr lang="de-DE" smtClean="0"/>
-              <a:t>13.09.2021</a:t>
+              <a:t>04.03.2022</a:t>
             </a:fld>
             <a:endParaRPr lang="de-DE"/>
           </a:p>
@@ -442,7 +442,7 @@
           <a:p>
             <a:fld id="{8799DF5F-51D2-48B6-91C6-67FF185995F7}" type="datetimeFigureOut">
               <a:rPr lang="de-DE" smtClean="0"/>
-              <a:t>13.09.2021</a:t>
+              <a:t>04.03.2022</a:t>
             </a:fld>
             <a:endParaRPr lang="de-DE"/>
           </a:p>
@@ -622,7 +622,7 @@
           <a:p>
             <a:fld id="{8799DF5F-51D2-48B6-91C6-67FF185995F7}" type="datetimeFigureOut">
               <a:rPr lang="de-DE" smtClean="0"/>
-              <a:t>13.09.2021</a:t>
+              <a:t>04.03.2022</a:t>
             </a:fld>
             <a:endParaRPr lang="de-DE"/>
           </a:p>
@@ -798,7 +798,7 @@
           <a:p>
             <a:fld id="{8799DF5F-51D2-48B6-91C6-67FF185995F7}" type="datetimeFigureOut">
               <a:rPr lang="de-DE" smtClean="0"/>
-              <a:t>13.09.2021</a:t>
+              <a:t>04.03.2022</a:t>
             </a:fld>
             <a:endParaRPr lang="de-DE"/>
           </a:p>
@@ -1042,7 +1042,7 @@
           <a:p>
             <a:fld id="{8799DF5F-51D2-48B6-91C6-67FF185995F7}" type="datetimeFigureOut">
               <a:rPr lang="de-DE" smtClean="0"/>
-              <a:t>13.09.2021</a:t>
+              <a:t>04.03.2022</a:t>
             </a:fld>
             <a:endParaRPr lang="de-DE"/>
           </a:p>
@@ -1274,7 +1274,7 @@
           <a:p>
             <a:fld id="{8799DF5F-51D2-48B6-91C6-67FF185995F7}" type="datetimeFigureOut">
               <a:rPr lang="de-DE" smtClean="0"/>
-              <a:t>13.09.2021</a:t>
+              <a:t>04.03.2022</a:t>
             </a:fld>
             <a:endParaRPr lang="de-DE"/>
           </a:p>
@@ -1641,7 +1641,7 @@
           <a:p>
             <a:fld id="{8799DF5F-51D2-48B6-91C6-67FF185995F7}" type="datetimeFigureOut">
               <a:rPr lang="de-DE" smtClean="0"/>
-              <a:t>13.09.2021</a:t>
+              <a:t>04.03.2022</a:t>
             </a:fld>
             <a:endParaRPr lang="de-DE"/>
           </a:p>
@@ -1759,7 +1759,7 @@
           <a:p>
             <a:fld id="{8799DF5F-51D2-48B6-91C6-67FF185995F7}" type="datetimeFigureOut">
               <a:rPr lang="de-DE" smtClean="0"/>
-              <a:t>13.09.2021</a:t>
+              <a:t>04.03.2022</a:t>
             </a:fld>
             <a:endParaRPr lang="de-DE"/>
           </a:p>
@@ -1854,7 +1854,7 @@
           <a:p>
             <a:fld id="{8799DF5F-51D2-48B6-91C6-67FF185995F7}" type="datetimeFigureOut">
               <a:rPr lang="de-DE" smtClean="0"/>
-              <a:t>13.09.2021</a:t>
+              <a:t>04.03.2022</a:t>
             </a:fld>
             <a:endParaRPr lang="de-DE"/>
           </a:p>
@@ -2131,7 +2131,7 @@
           <a:p>
             <a:fld id="{8799DF5F-51D2-48B6-91C6-67FF185995F7}" type="datetimeFigureOut">
               <a:rPr lang="de-DE" smtClean="0"/>
-              <a:t>13.09.2021</a:t>
+              <a:t>04.03.2022</a:t>
             </a:fld>
             <a:endParaRPr lang="de-DE"/>
           </a:p>
@@ -2388,7 +2388,7 @@
           <a:p>
             <a:fld id="{8799DF5F-51D2-48B6-91C6-67FF185995F7}" type="datetimeFigureOut">
               <a:rPr lang="de-DE" smtClean="0"/>
-              <a:t>13.09.2021</a:t>
+              <a:t>04.03.2022</a:t>
             </a:fld>
             <a:endParaRPr lang="de-DE"/>
           </a:p>
@@ -2601,7 +2601,7 @@
           <a:p>
             <a:fld id="{8799DF5F-51D2-48B6-91C6-67FF185995F7}" type="datetimeFigureOut">
               <a:rPr lang="de-DE" smtClean="0"/>
-              <a:t>13.09.2021</a:t>
+              <a:t>04.03.2022</a:t>
             </a:fld>
             <a:endParaRPr lang="de-DE"/>
           </a:p>
@@ -3055,7 +3055,9 @@
         </p:nvSpPr>
         <p:spPr/>
         <p:txBody>
-          <a:bodyPr/>
+          <a:bodyPr>
+            <a:normAutofit/>
+          </a:bodyPr>
           <a:lstStyle/>
           <a:p>
             <a:r>
@@ -3071,10 +3073,25 @@
           </a:p>
           <a:p>
             <a:r>
-              <a:rPr lang="de-DE" sz="1800" dirty="0" smtClean="0"/>
-              <a:t>Übersetzung: Dr. Katharina Zinke, Uni Tübingen</a:t>
-            </a:r>
-            <a:endParaRPr lang="de-DE" sz="1800" dirty="0"/>
+              <a:rPr lang="de-DE" sz="1400" dirty="0"/>
+              <a:t>Übersetzung: Katharina Zinke, Universitätsbibliothek Tübingen</a:t>
+            </a:r>
+          </a:p>
+          <a:p>
+            <a:r>
+              <a:rPr lang="de-DE" sz="1400" dirty="0"/>
+              <a:t>Lizenziert unter </a:t>
+            </a:r>
+            <a:r>
+              <a:rPr lang="de-DE" sz="1400" dirty="0">
+                <a:hlinkClick r:id="rId3"/>
+              </a:rPr>
+              <a:t>CC BY 4.0</a:t>
+            </a:r>
+            <a:endParaRPr lang="de-DE" sz="1400" dirty="0"/>
+          </a:p>
+          <a:p>
+            <a:endParaRPr lang="de-DE" dirty="0"/>
           </a:p>
         </p:txBody>
       </p:sp>
@@ -3087,7 +3104,7 @@
           <p:nvPr/>
         </p:nvPicPr>
         <p:blipFill>
-          <a:blip r:embed="rId3"/>
+          <a:blip r:embed="rId4"/>
           <a:srcRect/>
           <a:stretch>
             <a:fillRect/>
@@ -3106,6 +3123,30 @@
             <a:noFill/>
             <a:prstDash/>
           </a:ln>
+        </p:spPr>
+      </p:pic>
+      <p:pic>
+        <p:nvPicPr>
+          <p:cNvPr id="4" name="Grafik 3"/>
+          <p:cNvPicPr>
+            <a:picLocks noChangeAspect="1"/>
+          </p:cNvPicPr>
+          <p:nvPr/>
+        </p:nvPicPr>
+        <p:blipFill>
+          <a:blip r:embed="rId5"/>
+          <a:stretch>
+            <a:fillRect/>
+          </a:stretch>
+        </p:blipFill>
+        <p:spPr>
+          <a:xfrm>
+            <a:off x="4229100" y="5138737"/>
+            <a:ext cx="685800" cy="238125"/>
+          </a:xfrm>
+          <a:prstGeom prst="rect">
+            <a:avLst/>
+          </a:prstGeom>
         </p:spPr>
       </p:pic>
     </p:spTree>
@@ -5018,21 +5059,21 @@
       </p:grpSpPr>
       <p:grpSp>
         <p:nvGrpSpPr>
-          <p:cNvPr id="9" name="Gruppieren 8"/>
+          <p:cNvPr id="10" name="Gruppieren 9"/>
           <p:cNvGrpSpPr/>
           <p:nvPr/>
         </p:nvGrpSpPr>
         <p:grpSpPr>
           <a:xfrm>
-            <a:off x="225778" y="587022"/>
-            <a:ext cx="8600542" cy="6222836"/>
-            <a:chOff x="225778" y="587022"/>
-            <a:chExt cx="8600542" cy="6222836"/>
+            <a:off x="338667" y="596699"/>
+            <a:ext cx="8540819" cy="6261301"/>
+            <a:chOff x="372533" y="562832"/>
+            <a:chExt cx="8506953" cy="6158907"/>
           </a:xfrm>
         </p:grpSpPr>
         <p:pic>
           <p:nvPicPr>
-            <p:cNvPr id="4" name="Grafik 3"/>
+            <p:cNvPr id="11" name="Grafik 10"/>
             <p:cNvPicPr>
               <a:picLocks noChangeAspect="1"/>
             </p:cNvPicPr>
@@ -5046,8 +5087,8 @@
           </p:blipFill>
           <p:spPr>
             <a:xfrm>
-              <a:off x="225778" y="596665"/>
-              <a:ext cx="8600542" cy="6213193"/>
+              <a:off x="372533" y="562832"/>
+              <a:ext cx="8506953" cy="6158907"/>
             </a:xfrm>
             <a:prstGeom prst="rect">
               <a:avLst/>
@@ -5056,14 +5097,14 @@
         </p:pic>
         <p:sp>
           <p:nvSpPr>
-            <p:cNvPr id="8" name="Rechteck 7"/>
+            <p:cNvPr id="12" name="Rechteck 11"/>
             <p:cNvSpPr/>
             <p:nvPr/>
           </p:nvSpPr>
           <p:spPr>
             <a:xfrm>
-              <a:off x="372533" y="587022"/>
-              <a:ext cx="2415823" cy="575734"/>
+              <a:off x="628650" y="564444"/>
+              <a:ext cx="3909483" cy="620889"/>
             </a:xfrm>
             <a:prstGeom prst="rect">
               <a:avLst/>
@@ -5333,6 +5374,106 @@
           </a:p>
         </p:txBody>
       </p:sp>
+      <p:grpSp>
+        <p:nvGrpSpPr>
+          <p:cNvPr id="5" name="Gruppieren 4"/>
+          <p:cNvGrpSpPr/>
+          <p:nvPr/>
+        </p:nvGrpSpPr>
+        <p:grpSpPr>
+          <a:xfrm>
+            <a:off x="1104431" y="1225976"/>
+            <a:ext cx="1565495" cy="1494885"/>
+            <a:chOff x="1104431" y="1225976"/>
+            <a:chExt cx="1565495" cy="1494885"/>
+          </a:xfrm>
+        </p:grpSpPr>
+        <p:pic>
+          <p:nvPicPr>
+            <p:cNvPr id="4" name="Grafik 3"/>
+            <p:cNvPicPr>
+              <a:picLocks noChangeAspect="1"/>
+            </p:cNvPicPr>
+            <p:nvPr/>
+          </p:nvPicPr>
+          <p:blipFill rotWithShape="1">
+            <a:blip r:embed="rId3" cstate="print">
+              <a:extLst>
+                <a:ext uri="{28A0092B-C50C-407E-A947-70E740481C1C}">
+                  <a14:useLocalDpi xmlns:a14="http://schemas.microsoft.com/office/drawing/2010/main" val="0"/>
+                </a:ext>
+              </a:extLst>
+            </a:blip>
+            <a:srcRect l="28320" t="16077" r="33301" b="35286"/>
+            <a:stretch/>
+          </p:blipFill>
+          <p:spPr>
+            <a:xfrm>
+              <a:off x="1104431" y="1225976"/>
+              <a:ext cx="1453896" cy="1320715"/>
+            </a:xfrm>
+            <a:prstGeom prst="rect">
+              <a:avLst/>
+            </a:prstGeom>
+          </p:spPr>
+        </p:pic>
+        <p:sp>
+          <p:nvSpPr>
+            <p:cNvPr id="3" name="Rechteck 2"/>
+            <p:cNvSpPr/>
+            <p:nvPr/>
+          </p:nvSpPr>
+          <p:spPr>
+            <a:xfrm>
+              <a:off x="1651699" y="2505417"/>
+              <a:ext cx="1018227" cy="215444"/>
+            </a:xfrm>
+            <a:prstGeom prst="rect">
+              <a:avLst/>
+            </a:prstGeom>
+          </p:spPr>
+          <p:txBody>
+            <a:bodyPr wrap="none">
+              <a:spAutoFit/>
+            </a:bodyPr>
+            <a:lstStyle/>
+            <a:p>
+              <a:r>
+                <a:rPr lang="de-DE" sz="800" dirty="0">
+                  <a:solidFill>
+                    <a:schemeClr val="bg1">
+                      <a:lumMod val="65000"/>
+                    </a:schemeClr>
+                  </a:solidFill>
+                  <a:latin typeface="Calibri" panose="020F0502020204030204" pitchFamily="34" charset="0"/>
+                  <a:ea typeface="Calibri" panose="020F0502020204030204" pitchFamily="34" charset="0"/>
+                </a:rPr>
+                <a:t>CC0 via </a:t>
+              </a:r>
+              <a:r>
+                <a:rPr lang="de-DE" sz="800" u="sng" dirty="0">
+                  <a:solidFill>
+                    <a:schemeClr val="bg1">
+                      <a:lumMod val="65000"/>
+                    </a:schemeClr>
+                  </a:solidFill>
+                  <a:latin typeface="Calibri" panose="020F0502020204030204" pitchFamily="34" charset="0"/>
+                  <a:ea typeface="Calibri" panose="020F0502020204030204" pitchFamily="34" charset="0"/>
+                  <a:hlinkClick r:id="rId4"/>
+                </a:rPr>
+                <a:t>pxhere.com</a:t>
+              </a:r>
+              <a:endParaRPr lang="de-DE" sz="800" dirty="0">
+                <a:solidFill>
+                  <a:schemeClr val="bg1">
+                    <a:lumMod val="65000"/>
+                  </a:schemeClr>
+                </a:solidFill>
+              </a:endParaRPr>
+            </a:p>
+          </p:txBody>
+        </p:sp>
+      </p:grpSp>
     </p:spTree>
     <p:extLst>
       <p:ext uri="{BB962C8B-B14F-4D97-AF65-F5344CB8AC3E}">
@@ -6595,12 +6736,21 @@
 </file>
 
 <file path=customXml/item1.xml><?xml version="1.0" encoding="utf-8"?>
+<?mso-contentType ?>
+<FormTemplates xmlns="http://schemas.microsoft.com/sharepoint/v3/contenttype/forms">
+  <Display>DocumentLibraryForm</Display>
+  <Edit>DocumentLibraryForm</Edit>
+  <New>DocumentLibraryForm</New>
+</FormTemplates>
+</file>
+
+<file path=customXml/item2.xml><?xml version="1.0" encoding="utf-8"?>
 <p:properties xmlns:p="http://schemas.microsoft.com/office/2006/metadata/properties" xmlns:xsi="http://www.w3.org/2001/XMLSchema-instance" xmlns:pc="http://schemas.microsoft.com/office/infopath/2007/PartnerControls">
   <documentManagement/>
 </p:properties>
 </file>
 
-<file path=customXml/item2.xml><?xml version="1.0" encoding="utf-8"?>
+<file path=customXml/item3.xml><?xml version="1.0" encoding="utf-8"?>
 <ct:contentTypeSchema xmlns:ct="http://schemas.microsoft.com/office/2006/metadata/contentType" xmlns:ma="http://schemas.microsoft.com/office/2006/metadata/properties/metaAttributes" ct:_="" ma:_="" ma:contentTypeName="Document" ma:contentTypeID="0x010100F17EC83D42DE1342836658DB916E0F0B" ma:contentTypeVersion="12" ma:contentTypeDescription="Create a new document." ma:contentTypeScope="" ma:versionID="decd11e2338497cd194a0281b7039c7c">
   <xsd:schema xmlns:xsd="http://www.w3.org/2001/XMLSchema" xmlns:xs="http://www.w3.org/2001/XMLSchema" xmlns:p="http://schemas.microsoft.com/office/2006/metadata/properties" xmlns:ns3="cba860a3-19f3-41d9-9af1-1541e14e828f" xmlns:ns4="3cb81482-1ab0-4c0d-b08e-feda4e7b58be" targetNamespace="http://schemas.microsoft.com/office/2006/metadata/properties" ma:root="true" ma:fieldsID="c1b62c658d90a1ccad7858709c7d7d0b" ns3:_="" ns4:_="">
     <xsd:import namespace="cba860a3-19f3-41d9-9af1-1541e14e828f"/>
@@ -6817,16 +6967,15 @@
 </ct:contentTypeSchema>
 </file>
 
-<file path=customXml/item3.xml><?xml version="1.0" encoding="utf-8"?>
-<?mso-contentType ?>
-<FormTemplates xmlns="http://schemas.microsoft.com/sharepoint/v3/contenttype/forms">
-  <Display>DocumentLibraryForm</Display>
-  <Edit>DocumentLibraryForm</Edit>
-  <New>DocumentLibraryForm</New>
-</FormTemplates>
+<file path=customXml/itemProps1.xml><?xml version="1.0" encoding="utf-8"?>
+<ds:datastoreItem xmlns:ds="http://schemas.openxmlformats.org/officeDocument/2006/customXml" ds:itemID="{E364DDF3-BA06-45D3-AB5A-13FE4F6FE581}">
+  <ds:schemaRefs>
+    <ds:schemaRef ds:uri="http://schemas.microsoft.com/sharepoint/v3/contenttype/forms"/>
+  </ds:schemaRefs>
+</ds:datastoreItem>
 </file>
 
-<file path=customXml/itemProps1.xml><?xml version="1.0" encoding="utf-8"?>
+<file path=customXml/itemProps2.xml><?xml version="1.0" encoding="utf-8"?>
 <ds:datastoreItem xmlns:ds="http://schemas.openxmlformats.org/officeDocument/2006/customXml" ds:itemID="{D05F5A14-9E73-4912-AFFF-2E4960B95F2A}">
   <ds:schemaRefs>
     <ds:schemaRef ds:uri="http://purl.org/dc/elements/1.1/"/>
@@ -6843,7 +6992,7 @@
 </ds:datastoreItem>
 </file>
 
-<file path=customXml/itemProps2.xml><?xml version="1.0" encoding="utf-8"?>
+<file path=customXml/itemProps3.xml><?xml version="1.0" encoding="utf-8"?>
 <ds:datastoreItem xmlns:ds="http://schemas.openxmlformats.org/officeDocument/2006/customXml" ds:itemID="{A90936CC-4FC3-45EC-8360-200C9CD46A7E}">
   <ds:schemaRefs>
     <ds:schemaRef ds:uri="http://schemas.microsoft.com/office/2006/metadata/contentType"/>
@@ -6860,12 +7009,4 @@
     <ds:schemaRef ds:uri="http://schemas.microsoft.com/internal/obd"/>
   </ds:schemaRefs>
 </ds:datastoreItem>
-</file>
-
-<file path=customXml/itemProps3.xml><?xml version="1.0" encoding="utf-8"?>
-<ds:datastoreItem xmlns:ds="http://schemas.openxmlformats.org/officeDocument/2006/customXml" ds:itemID="{E364DDF3-BA06-45D3-AB5A-13FE4F6FE581}">
-  <ds:schemaRefs>
-    <ds:schemaRef ds:uri="http://schemas.microsoft.com/sharepoint/v3/contenttype/forms"/>
-  </ds:schemaRefs>
-</ds:datastoreItem>
 </file>
--- a/docs/00_Tools/07_07_DE_Persona_Creation_Workshop.pptx
+++ b/docs/00_Tools/07_07_DE_Persona_Creation_Workshop.pptx
@@ -3159,6 +3159,13 @@
   <p:clrMapOvr>
     <a:masterClrMapping/>
   </p:clrMapOvr>
+  <p:timing>
+    <p:tnLst>
+      <p:par>
+        <p:cTn id="1" dur="indefinite" restart="never" nodeType="tmRoot"/>
+      </p:par>
+    </p:tnLst>
+  </p:timing>
 </p:sld>
 </file>
 
@@ -6745,12 +6752,6 @@
 </file>
 
 <file path=customXml/item2.xml><?xml version="1.0" encoding="utf-8"?>
-<p:properties xmlns:p="http://schemas.microsoft.com/office/2006/metadata/properties" xmlns:xsi="http://www.w3.org/2001/XMLSchema-instance" xmlns:pc="http://schemas.microsoft.com/office/infopath/2007/PartnerControls">
-  <documentManagement/>
-</p:properties>
-</file>
-
-<file path=customXml/item3.xml><?xml version="1.0" encoding="utf-8"?>
 <ct:contentTypeSchema xmlns:ct="http://schemas.microsoft.com/office/2006/metadata/contentType" xmlns:ma="http://schemas.microsoft.com/office/2006/metadata/properties/metaAttributes" ct:_="" ma:_="" ma:contentTypeName="Document" ma:contentTypeID="0x010100F17EC83D42DE1342836658DB916E0F0B" ma:contentTypeVersion="12" ma:contentTypeDescription="Create a new document." ma:contentTypeScope="" ma:versionID="decd11e2338497cd194a0281b7039c7c">
   <xsd:schema xmlns:xsd="http://www.w3.org/2001/XMLSchema" xmlns:xs="http://www.w3.org/2001/XMLSchema" xmlns:p="http://schemas.microsoft.com/office/2006/metadata/properties" xmlns:ns3="cba860a3-19f3-41d9-9af1-1541e14e828f" xmlns:ns4="3cb81482-1ab0-4c0d-b08e-feda4e7b58be" targetNamespace="http://schemas.microsoft.com/office/2006/metadata/properties" ma:root="true" ma:fieldsID="c1b62c658d90a1ccad7858709c7d7d0b" ns3:_="" ns4:_="">
     <xsd:import namespace="cba860a3-19f3-41d9-9af1-1541e14e828f"/>
@@ -6967,6 +6968,12 @@
 </ct:contentTypeSchema>
 </file>
 
+<file path=customXml/item3.xml><?xml version="1.0" encoding="utf-8"?>
+<p:properties xmlns:p="http://schemas.microsoft.com/office/2006/metadata/properties" xmlns:xsi="http://www.w3.org/2001/XMLSchema-instance" xmlns:pc="http://schemas.microsoft.com/office/infopath/2007/PartnerControls">
+  <documentManagement/>
+</p:properties>
+</file>
+
 <file path=customXml/itemProps1.xml><?xml version="1.0" encoding="utf-8"?>
 <ds:datastoreItem xmlns:ds="http://schemas.openxmlformats.org/officeDocument/2006/customXml" ds:itemID="{E364DDF3-BA06-45D3-AB5A-13FE4F6FE581}">
   <ds:schemaRefs>
@@ -6976,23 +6983,6 @@
 </file>
 
 <file path=customXml/itemProps2.xml><?xml version="1.0" encoding="utf-8"?>
-<ds:datastoreItem xmlns:ds="http://schemas.openxmlformats.org/officeDocument/2006/customXml" ds:itemID="{D05F5A14-9E73-4912-AFFF-2E4960B95F2A}">
-  <ds:schemaRefs>
-    <ds:schemaRef ds:uri="http://purl.org/dc/elements/1.1/"/>
-    <ds:schemaRef ds:uri="cba860a3-19f3-41d9-9af1-1541e14e828f"/>
-    <ds:schemaRef ds:uri="http://purl.org/dc/terms/"/>
-    <ds:schemaRef ds:uri="http://schemas.microsoft.com/office/2006/documentManagement/types"/>
-    <ds:schemaRef ds:uri="http://schemas.microsoft.com/office/infopath/2007/PartnerControls"/>
-    <ds:schemaRef ds:uri="http://schemas.openxmlformats.org/package/2006/metadata/core-properties"/>
-    <ds:schemaRef ds:uri="http://schemas.microsoft.com/office/2006/metadata/properties"/>
-    <ds:schemaRef ds:uri="3cb81482-1ab0-4c0d-b08e-feda4e7b58be"/>
-    <ds:schemaRef ds:uri="http://www.w3.org/XML/1998/namespace"/>
-    <ds:schemaRef ds:uri="http://purl.org/dc/dcmitype/"/>
-  </ds:schemaRefs>
-</ds:datastoreItem>
-</file>
-
-<file path=customXml/itemProps3.xml><?xml version="1.0" encoding="utf-8"?>
 <ds:datastoreItem xmlns:ds="http://schemas.openxmlformats.org/officeDocument/2006/customXml" ds:itemID="{A90936CC-4FC3-45EC-8360-200C9CD46A7E}">
   <ds:schemaRefs>
     <ds:schemaRef ds:uri="http://schemas.microsoft.com/office/2006/metadata/contentType"/>
@@ -7009,4 +6999,21 @@
     <ds:schemaRef ds:uri="http://schemas.microsoft.com/internal/obd"/>
   </ds:schemaRefs>
 </ds:datastoreItem>
+</file>
+
+<file path=customXml/itemProps3.xml><?xml version="1.0" encoding="utf-8"?>
+<ds:datastoreItem xmlns:ds="http://schemas.openxmlformats.org/officeDocument/2006/customXml" ds:itemID="{D05F5A14-9E73-4912-AFFF-2E4960B95F2A}">
+  <ds:schemaRefs>
+    <ds:schemaRef ds:uri="http://schemas.microsoft.com/office/2006/metadata/properties"/>
+    <ds:schemaRef ds:uri="http://schemas.microsoft.com/office/2006/documentManagement/types"/>
+    <ds:schemaRef ds:uri="cba860a3-19f3-41d9-9af1-1541e14e828f"/>
+    <ds:schemaRef ds:uri="http://schemas.openxmlformats.org/package/2006/metadata/core-properties"/>
+    <ds:schemaRef ds:uri="http://purl.org/dc/elements/1.1/"/>
+    <ds:schemaRef ds:uri="http://purl.org/dc/dcmitype/"/>
+    <ds:schemaRef ds:uri="3cb81482-1ab0-4c0d-b08e-feda4e7b58be"/>
+    <ds:schemaRef ds:uri="http://purl.org/dc/terms/"/>
+    <ds:schemaRef ds:uri="http://schemas.microsoft.com/office/infopath/2007/PartnerControls"/>
+    <ds:schemaRef ds:uri="http://www.w3.org/XML/1998/namespace"/>
+  </ds:schemaRefs>
+</ds:datastoreItem>
 </file>